--- a/IdeasPPT.pptx
+++ b/IdeasPPT.pptx
@@ -5,16 +5,16 @@
     <p:sldMasterId id="2147483648" r:id="rId1"/>
   </p:sldMasterIdLst>
   <p:notesMasterIdLst>
-    <p:notesMasterId r:id="rId18"/>
+    <p:notesMasterId r:id="rId23"/>
   </p:notesMasterIdLst>
   <p:sldIdLst>
     <p:sldId id="256" r:id="rId2"/>
     <p:sldId id="257" r:id="rId3"/>
-    <p:sldId id="258" r:id="rId4"/>
-    <p:sldId id="271" r:id="rId5"/>
-    <p:sldId id="268" r:id="rId6"/>
-    <p:sldId id="269" r:id="rId7"/>
-    <p:sldId id="270" r:id="rId8"/>
+    <p:sldId id="274" r:id="rId4"/>
+    <p:sldId id="275" r:id="rId5"/>
+    <p:sldId id="276" r:id="rId6"/>
+    <p:sldId id="272" r:id="rId7"/>
+    <p:sldId id="273" r:id="rId8"/>
     <p:sldId id="260" r:id="rId9"/>
     <p:sldId id="261" r:id="rId10"/>
     <p:sldId id="262" r:id="rId11"/>
@@ -23,7 +23,12 @@
     <p:sldId id="265" r:id="rId14"/>
     <p:sldId id="266" r:id="rId15"/>
     <p:sldId id="267" r:id="rId16"/>
-    <p:sldId id="259" r:id="rId17"/>
+    <p:sldId id="258" r:id="rId17"/>
+    <p:sldId id="259" r:id="rId18"/>
+    <p:sldId id="271" r:id="rId19"/>
+    <p:sldId id="268" r:id="rId20"/>
+    <p:sldId id="269" r:id="rId21"/>
+    <p:sldId id="270" r:id="rId22"/>
   </p:sldIdLst>
   <p:sldSz cx="12192000" cy="6858000"/>
   <p:notesSz cx="6858000" cy="9144000"/>
@@ -212,7 +217,7 @@
           <a:p>
             <a:fld id="{8376079C-1E60-3D4B-97E2-CCA952C58B72}" type="datetimeFigureOut">
               <a:rPr lang="en-US" smtClean="0"/>
-              <a:t>4/10/17</a:t>
+              <a:t>4/23/17</a:t>
             </a:fld>
             <a:endParaRPr lang="en-US"/>
           </a:p>
@@ -717,7 +722,7 @@
           <a:p>
             <a:fld id="{955E6DD6-BCA1-DA41-B9D9-615D07ED923B}" type="datetimeFigureOut">
               <a:rPr lang="en-US" smtClean="0"/>
-              <a:t>4/10/17</a:t>
+              <a:t>4/23/17</a:t>
             </a:fld>
             <a:endParaRPr lang="en-US"/>
           </a:p>
@@ -887,7 +892,7 @@
           <a:p>
             <a:fld id="{955E6DD6-BCA1-DA41-B9D9-615D07ED923B}" type="datetimeFigureOut">
               <a:rPr lang="en-US" smtClean="0"/>
-              <a:t>4/10/17</a:t>
+              <a:t>4/23/17</a:t>
             </a:fld>
             <a:endParaRPr lang="en-US"/>
           </a:p>
@@ -1067,7 +1072,7 @@
           <a:p>
             <a:fld id="{955E6DD6-BCA1-DA41-B9D9-615D07ED923B}" type="datetimeFigureOut">
               <a:rPr lang="en-US" smtClean="0"/>
-              <a:t>4/10/17</a:t>
+              <a:t>4/23/17</a:t>
             </a:fld>
             <a:endParaRPr lang="en-US"/>
           </a:p>
@@ -1237,7 +1242,7 @@
           <a:p>
             <a:fld id="{955E6DD6-BCA1-DA41-B9D9-615D07ED923B}" type="datetimeFigureOut">
               <a:rPr lang="en-US" smtClean="0"/>
-              <a:t>4/10/17</a:t>
+              <a:t>4/23/17</a:t>
             </a:fld>
             <a:endParaRPr lang="en-US"/>
           </a:p>
@@ -1483,7 +1488,7 @@
           <a:p>
             <a:fld id="{955E6DD6-BCA1-DA41-B9D9-615D07ED923B}" type="datetimeFigureOut">
               <a:rPr lang="en-US" smtClean="0"/>
-              <a:t>4/10/17</a:t>
+              <a:t>4/23/17</a:t>
             </a:fld>
             <a:endParaRPr lang="en-US"/>
           </a:p>
@@ -1715,7 +1720,7 @@
           <a:p>
             <a:fld id="{955E6DD6-BCA1-DA41-B9D9-615D07ED923B}" type="datetimeFigureOut">
               <a:rPr lang="en-US" smtClean="0"/>
-              <a:t>4/10/17</a:t>
+              <a:t>4/23/17</a:t>
             </a:fld>
             <a:endParaRPr lang="en-US"/>
           </a:p>
@@ -2082,7 +2087,7 @@
           <a:p>
             <a:fld id="{955E6DD6-BCA1-DA41-B9D9-615D07ED923B}" type="datetimeFigureOut">
               <a:rPr lang="en-US" smtClean="0"/>
-              <a:t>4/10/17</a:t>
+              <a:t>4/23/17</a:t>
             </a:fld>
             <a:endParaRPr lang="en-US"/>
           </a:p>
@@ -2200,7 +2205,7 @@
           <a:p>
             <a:fld id="{955E6DD6-BCA1-DA41-B9D9-615D07ED923B}" type="datetimeFigureOut">
               <a:rPr lang="en-US" smtClean="0"/>
-              <a:t>4/10/17</a:t>
+              <a:t>4/23/17</a:t>
             </a:fld>
             <a:endParaRPr lang="en-US"/>
           </a:p>
@@ -2295,7 +2300,7 @@
           <a:p>
             <a:fld id="{955E6DD6-BCA1-DA41-B9D9-615D07ED923B}" type="datetimeFigureOut">
               <a:rPr lang="en-US" smtClean="0"/>
-              <a:t>4/10/17</a:t>
+              <a:t>4/23/17</a:t>
             </a:fld>
             <a:endParaRPr lang="en-US"/>
           </a:p>
@@ -2572,7 +2577,7 @@
           <a:p>
             <a:fld id="{955E6DD6-BCA1-DA41-B9D9-615D07ED923B}" type="datetimeFigureOut">
               <a:rPr lang="en-US" smtClean="0"/>
-              <a:t>4/10/17</a:t>
+              <a:t>4/23/17</a:t>
             </a:fld>
             <a:endParaRPr lang="en-US"/>
           </a:p>
@@ -2825,7 +2830,7 @@
           <a:p>
             <a:fld id="{955E6DD6-BCA1-DA41-B9D9-615D07ED923B}" type="datetimeFigureOut">
               <a:rPr lang="en-US" smtClean="0"/>
-              <a:t>4/10/17</a:t>
+              <a:t>4/23/17</a:t>
             </a:fld>
             <a:endParaRPr lang="en-US"/>
           </a:p>
@@ -3038,7 +3043,7 @@
           <a:p>
             <a:fld id="{955E6DD6-BCA1-DA41-B9D9-615D07ED923B}" type="datetimeFigureOut">
               <a:rPr lang="en-US" smtClean="0"/>
-              <a:t>4/10/17</a:t>
+              <a:t>4/23/17</a:t>
             </a:fld>
             <a:endParaRPr lang="en-US"/>
           </a:p>
@@ -3520,13 +3525,8 @@
             </a:r>
             <a:r>
               <a:rPr lang="en-US" dirty="0" smtClean="0"/>
-              <a:t>: </a:t>
-            </a:r>
-            <a:r>
-              <a:rPr lang="en-US" dirty="0" smtClean="0"/>
-              <a:t>2.0 </a:t>
-            </a:r>
-            <a:endParaRPr lang="en-US" dirty="0" smtClean="0"/>
+              <a:t>: 2.0 </a:t>
+            </a:r>
           </a:p>
           <a:p>
             <a:r>
@@ -3545,7 +3545,6 @@
               <a:rPr lang="en-US" dirty="0" smtClean="0"/>
               <a:t>/10/17</a:t>
             </a:r>
-            <a:endParaRPr lang="en-US" dirty="0" smtClean="0"/>
           </a:p>
           <a:p>
             <a:endParaRPr lang="en-US" dirty="0"/>
@@ -4678,7 +4677,6 @@
               <a:rPr lang="en-US" sz="9600" dirty="0" smtClean="0"/>
               <a:t>Appendix</a:t>
             </a:r>
-            <a:endParaRPr lang="en-US" sz="9600" dirty="0" smtClean="0"/>
           </a:p>
           <a:p>
             <a:pPr lvl="1"/>
@@ -4744,11 +4742,139 @@
           <a:p>
             <a:r>
               <a:rPr lang="en-US" dirty="0" smtClean="0"/>
-              <a:t>Use </a:t>
-            </a:r>
-            <a:r>
-              <a:rPr lang="en-US" dirty="0" smtClean="0"/>
-              <a:t>Cases (old list)</a:t>
+              <a:t>Idea: FR Virtual Assistant</a:t>
+            </a:r>
+            <a:endParaRPr lang="en-US" dirty="0"/>
+          </a:p>
+        </p:txBody>
+      </p:sp>
+      <p:sp>
+        <p:nvSpPr>
+          <p:cNvPr id="3" name="Content Placeholder 2"/>
+          <p:cNvSpPr>
+            <a:spLocks noGrp="1"/>
+          </p:cNvSpPr>
+          <p:nvPr>
+            <p:ph idx="1"/>
+          </p:nvPr>
+        </p:nvSpPr>
+        <p:spPr/>
+        <p:txBody>
+          <a:bodyPr/>
+          <a:lstStyle/>
+          <a:p>
+            <a:r>
+              <a:rPr lang="en-US" dirty="0" smtClean="0"/>
+              <a:t>FR’s are very busy people</a:t>
+            </a:r>
+          </a:p>
+          <a:p>
+            <a:r>
+              <a:rPr lang="en-US" dirty="0" smtClean="0"/>
+              <a:t>They are often out of the office</a:t>
+            </a:r>
+          </a:p>
+          <a:p>
+            <a:r>
+              <a:rPr lang="en-US" dirty="0" smtClean="0"/>
+              <a:t>They lack time to spend with their AFR’s (Assistant FR’s) </a:t>
+            </a:r>
+          </a:p>
+          <a:p>
+            <a:r>
+              <a:rPr lang="en-US" dirty="0" smtClean="0"/>
+              <a:t>They have a lot of time where the cannot see and interact with traditional devices such as a computer or mobile device</a:t>
+            </a:r>
+          </a:p>
+          <a:p>
+            <a:r>
+              <a:rPr lang="en-US" dirty="0" smtClean="0"/>
+              <a:t>A voice controlled bot (i.e. Alexa) can act as a AFR and</a:t>
+            </a:r>
+            <a:r>
+              <a:rPr lang="is-IS" dirty="0" smtClean="0"/>
+              <a:t>…</a:t>
+            </a:r>
+          </a:p>
+          <a:p>
+            <a:pPr lvl="1"/>
+            <a:r>
+              <a:rPr lang="is-IS" dirty="0" smtClean="0"/>
+              <a:t>Communicate important information</a:t>
+            </a:r>
+          </a:p>
+          <a:p>
+            <a:pPr lvl="1"/>
+            <a:r>
+              <a:rPr lang="is-IS" dirty="0" smtClean="0"/>
+              <a:t>Take actions on the FR’s or AFR’s behalf</a:t>
+            </a:r>
+          </a:p>
+          <a:p>
+            <a:pPr lvl="1"/>
+            <a:r>
+              <a:rPr lang="is-IS" dirty="0" smtClean="0"/>
+              <a:t>Etc...</a:t>
+            </a:r>
+            <a:endParaRPr lang="en-US" dirty="0"/>
+          </a:p>
+        </p:txBody>
+      </p:sp>
+    </p:spTree>
+    <p:extLst>
+      <p:ext uri="{BB962C8B-B14F-4D97-AF65-F5344CB8AC3E}">
+        <p14:creationId xmlns:p14="http://schemas.microsoft.com/office/powerpoint/2010/main" val="235878291"/>
+      </p:ext>
+    </p:extLst>
+  </p:cSld>
+  <p:clrMapOvr>
+    <a:masterClrMapping/>
+  </p:clrMapOvr>
+  <p:timing>
+    <p:tnLst>
+      <p:par>
+        <p:cTn id="1" dur="indefinite" restart="never" nodeType="tmRoot"/>
+      </p:par>
+    </p:tnLst>
+  </p:timing>
+</p:sld>
+</file>
+
+<file path=ppt/slides/slide17.xml><?xml version="1.0" encoding="utf-8"?>
+<p:sld xmlns:a="http://schemas.openxmlformats.org/drawingml/2006/main" xmlns:r="http://schemas.openxmlformats.org/officeDocument/2006/relationships" xmlns:p="http://schemas.openxmlformats.org/presentationml/2006/main">
+  <p:cSld>
+    <p:spTree>
+      <p:nvGrpSpPr>
+        <p:cNvPr id="1" name=""/>
+        <p:cNvGrpSpPr/>
+        <p:nvPr/>
+      </p:nvGrpSpPr>
+      <p:grpSpPr>
+        <a:xfrm>
+          <a:off x="0" y="0"/>
+          <a:ext cx="0" cy="0"/>
+          <a:chOff x="0" y="0"/>
+          <a:chExt cx="0" cy="0"/>
+        </a:xfrm>
+      </p:grpSpPr>
+      <p:sp>
+        <p:nvSpPr>
+          <p:cNvPr id="2" name="Title 1"/>
+          <p:cNvSpPr>
+            <a:spLocks noGrp="1"/>
+          </p:cNvSpPr>
+          <p:nvPr>
+            <p:ph type="title"/>
+          </p:nvPr>
+        </p:nvSpPr>
+        <p:spPr/>
+        <p:txBody>
+          <a:bodyPr/>
+          <a:lstStyle/>
+          <a:p>
+            <a:r>
+              <a:rPr lang="en-US" dirty="0" smtClean="0"/>
+              <a:t>Use Cases (old list)</a:t>
             </a:r>
             <a:endParaRPr lang="en-US" dirty="0"/>
           </a:p>
@@ -4883,6 +5009,344 @@
     <p:extLst>
       <p:ext uri="{BB962C8B-B14F-4D97-AF65-F5344CB8AC3E}">
         <p14:creationId xmlns:p14="http://schemas.microsoft.com/office/powerpoint/2010/main" val="275563342"/>
+      </p:ext>
+    </p:extLst>
+  </p:cSld>
+  <p:clrMapOvr>
+    <a:masterClrMapping/>
+  </p:clrMapOvr>
+  <p:timing>
+    <p:tnLst>
+      <p:par>
+        <p:cTn id="1" dur="indefinite" restart="never" nodeType="tmRoot"/>
+      </p:par>
+    </p:tnLst>
+  </p:timing>
+</p:sld>
+</file>
+
+<file path=ppt/slides/slide18.xml><?xml version="1.0" encoding="utf-8"?>
+<p:sld xmlns:a="http://schemas.openxmlformats.org/drawingml/2006/main" xmlns:r="http://schemas.openxmlformats.org/officeDocument/2006/relationships" xmlns:p="http://schemas.openxmlformats.org/presentationml/2006/main">
+  <p:cSld>
+    <p:spTree>
+      <p:nvGrpSpPr>
+        <p:cNvPr id="1" name=""/>
+        <p:cNvGrpSpPr/>
+        <p:nvPr/>
+      </p:nvGrpSpPr>
+      <p:grpSpPr>
+        <a:xfrm>
+          <a:off x="0" y="0"/>
+          <a:ext cx="0" cy="0"/>
+          <a:chOff x="0" y="0"/>
+          <a:chExt cx="0" cy="0"/>
+        </a:xfrm>
+      </p:grpSpPr>
+      <p:sp>
+        <p:nvSpPr>
+          <p:cNvPr id="2" name="Title 1"/>
+          <p:cNvSpPr>
+            <a:spLocks noGrp="1"/>
+          </p:cNvSpPr>
+          <p:nvPr>
+            <p:ph type="title"/>
+          </p:nvPr>
+        </p:nvSpPr>
+        <p:spPr/>
+        <p:txBody>
+          <a:bodyPr/>
+          <a:lstStyle/>
+          <a:p>
+            <a:r>
+              <a:rPr lang="en-US" dirty="0" smtClean="0"/>
+              <a:t>Interviews with CRM Team (April 2017)</a:t>
+            </a:r>
+            <a:endParaRPr lang="en-US" dirty="0"/>
+          </a:p>
+        </p:txBody>
+      </p:sp>
+      <p:sp>
+        <p:nvSpPr>
+          <p:cNvPr id="3" name="Content Placeholder 2"/>
+          <p:cNvSpPr>
+            <a:spLocks noGrp="1"/>
+          </p:cNvSpPr>
+          <p:nvPr>
+            <p:ph idx="1"/>
+          </p:nvPr>
+        </p:nvSpPr>
+        <p:spPr/>
+        <p:txBody>
+          <a:bodyPr>
+            <a:normAutofit/>
+          </a:bodyPr>
+          <a:lstStyle/>
+          <a:p>
+            <a:r>
+              <a:rPr lang="en-US" sz="3200" dirty="0" smtClean="0"/>
+              <a:t>Discussed our teams Hackathon with CRM Bus Analysts</a:t>
+            </a:r>
+          </a:p>
+          <a:p>
+            <a:r>
+              <a:rPr lang="en-US" sz="3200" dirty="0" smtClean="0"/>
+              <a:t> Ran the initial ideas we have past them</a:t>
+            </a:r>
+          </a:p>
+          <a:p>
+            <a:r>
+              <a:rPr lang="en-US" sz="3200" dirty="0" smtClean="0"/>
+              <a:t>Endorsed those, refined those, </a:t>
+            </a:r>
+            <a:r>
+              <a:rPr lang="en-US" sz="3200" dirty="0" err="1" smtClean="0"/>
+              <a:t>etc</a:t>
+            </a:r>
+            <a:r>
+              <a:rPr lang="is-IS" sz="3200" dirty="0" smtClean="0"/>
+              <a:t>…</a:t>
+            </a:r>
+          </a:p>
+          <a:p>
+            <a:r>
+              <a:rPr lang="en-US" sz="3200" dirty="0" smtClean="0"/>
+              <a:t>Have resources that we can discuss our use cases with further</a:t>
+            </a:r>
+          </a:p>
+          <a:p>
+            <a:r>
+              <a:rPr lang="en-US" sz="3200" dirty="0" smtClean="0"/>
+              <a:t>May discover a few more deals or new ideas when we speak with them further</a:t>
+            </a:r>
+            <a:endParaRPr lang="en-US" sz="3200" dirty="0"/>
+          </a:p>
+        </p:txBody>
+      </p:sp>
+      <p:sp>
+        <p:nvSpPr>
+          <p:cNvPr id="4" name="TextBox 3"/>
+          <p:cNvSpPr txBox="1"/>
+          <p:nvPr/>
+        </p:nvSpPr>
+        <p:spPr>
+          <a:xfrm>
+            <a:off x="7772400" y="6043613"/>
+            <a:ext cx="3929063" cy="646331"/>
+          </a:xfrm>
+          <a:prstGeom prst="rect">
+            <a:avLst/>
+          </a:prstGeom>
+          <a:noFill/>
+        </p:spPr>
+        <p:txBody>
+          <a:bodyPr wrap="square" rtlCol="0">
+            <a:spAutoFit/>
+          </a:bodyPr>
+          <a:lstStyle/>
+          <a:p>
+            <a:r>
+              <a:rPr lang="en-US" dirty="0" smtClean="0"/>
+              <a:t>Started 4/5 to present and till Hackathon date</a:t>
+            </a:r>
+            <a:r>
+              <a:rPr lang="is-IS" dirty="0" smtClean="0"/>
+              <a:t>….</a:t>
+            </a:r>
+            <a:endParaRPr lang="en-US" dirty="0"/>
+          </a:p>
+        </p:txBody>
+      </p:sp>
+    </p:spTree>
+    <p:extLst>
+      <p:ext uri="{BB962C8B-B14F-4D97-AF65-F5344CB8AC3E}">
+        <p14:creationId xmlns:p14="http://schemas.microsoft.com/office/powerpoint/2010/main" val="1653514599"/>
+      </p:ext>
+    </p:extLst>
+  </p:cSld>
+  <p:clrMapOvr>
+    <a:masterClrMapping/>
+  </p:clrMapOvr>
+  <p:timing>
+    <p:tnLst>
+      <p:par>
+        <p:cTn id="1" dur="indefinite" restart="never" nodeType="tmRoot"/>
+      </p:par>
+    </p:tnLst>
+  </p:timing>
+</p:sld>
+</file>
+
+<file path=ppt/slides/slide19.xml><?xml version="1.0" encoding="utf-8"?>
+<p:sld xmlns:a="http://schemas.openxmlformats.org/drawingml/2006/main" xmlns:r="http://schemas.openxmlformats.org/officeDocument/2006/relationships" xmlns:p="http://schemas.openxmlformats.org/presentationml/2006/main">
+  <p:cSld>
+    <p:spTree>
+      <p:nvGrpSpPr>
+        <p:cNvPr id="1" name=""/>
+        <p:cNvGrpSpPr/>
+        <p:nvPr/>
+      </p:nvGrpSpPr>
+      <p:grpSpPr>
+        <a:xfrm>
+          <a:off x="0" y="0"/>
+          <a:ext cx="0" cy="0"/>
+          <a:chOff x="0" y="0"/>
+          <a:chExt cx="0" cy="0"/>
+        </a:xfrm>
+      </p:grpSpPr>
+      <p:sp>
+        <p:nvSpPr>
+          <p:cNvPr id="2" name="Title 1"/>
+          <p:cNvSpPr>
+            <a:spLocks noGrp="1"/>
+          </p:cNvSpPr>
+          <p:nvPr>
+            <p:ph type="title"/>
+          </p:nvPr>
+        </p:nvSpPr>
+        <p:spPr/>
+        <p:txBody>
+          <a:bodyPr/>
+          <a:lstStyle/>
+          <a:p>
+            <a:r>
+              <a:rPr lang="en-US" dirty="0" smtClean="0"/>
+              <a:t>Use Case #1 – Appointment Assistant </a:t>
+            </a:r>
+            <a:endParaRPr lang="en-US" dirty="0"/>
+          </a:p>
+        </p:txBody>
+      </p:sp>
+      <p:sp>
+        <p:nvSpPr>
+          <p:cNvPr id="3" name="Content Placeholder 2"/>
+          <p:cNvSpPr>
+            <a:spLocks noGrp="1"/>
+          </p:cNvSpPr>
+          <p:nvPr>
+            <p:ph idx="1"/>
+          </p:nvPr>
+        </p:nvSpPr>
+        <p:spPr>
+          <a:xfrm>
+            <a:off x="838200" y="1419225"/>
+            <a:ext cx="10515600" cy="4351338"/>
+          </a:xfrm>
+        </p:spPr>
+        <p:txBody>
+          <a:bodyPr>
+            <a:normAutofit/>
+          </a:bodyPr>
+          <a:lstStyle/>
+          <a:p>
+            <a:r>
+              <a:rPr lang="en-US" dirty="0" smtClean="0"/>
+              <a:t>Call Queue</a:t>
+            </a:r>
+          </a:p>
+          <a:p>
+            <a:pPr lvl="1"/>
+            <a:r>
+              <a:rPr lang="en-US" dirty="0" smtClean="0"/>
+              <a:t>Daily status briefing – Read off call queue for an FR for the day</a:t>
+            </a:r>
+          </a:p>
+          <a:p>
+            <a:pPr lvl="1"/>
+            <a:r>
+              <a:rPr lang="en-US" dirty="0" smtClean="0"/>
+              <a:t>Highlight A and A+ clients on this list</a:t>
+            </a:r>
+          </a:p>
+          <a:p>
+            <a:r>
+              <a:rPr lang="en-US" dirty="0" smtClean="0"/>
+              <a:t>Follow Up Activities </a:t>
+            </a:r>
+            <a:r>
+              <a:rPr lang="en-US" sz="1600" dirty="0" smtClean="0"/>
+              <a:t>(CRM Workflow?)</a:t>
+            </a:r>
+            <a:endParaRPr lang="en-US" dirty="0" smtClean="0"/>
+          </a:p>
+          <a:p>
+            <a:pPr lvl="1"/>
+            <a:r>
+              <a:rPr lang="en-US" dirty="0" smtClean="0"/>
+              <a:t>List of follow up activities and due dates</a:t>
+            </a:r>
+          </a:p>
+          <a:p>
+            <a:pPr lvl="2"/>
+            <a:r>
+              <a:rPr lang="en-US" dirty="0" smtClean="0"/>
+              <a:t>What’s behind, status, </a:t>
+            </a:r>
+            <a:r>
+              <a:rPr lang="en-US" dirty="0" err="1" smtClean="0"/>
+              <a:t>etc</a:t>
+            </a:r>
+            <a:r>
+              <a:rPr lang="is-IS" dirty="0" smtClean="0"/>
+              <a:t>….</a:t>
+            </a:r>
+          </a:p>
+          <a:p>
+            <a:r>
+              <a:rPr lang="is-IS" dirty="0" smtClean="0"/>
+              <a:t>It’s an NM Mobile App already (Posting Plus)</a:t>
+            </a:r>
+          </a:p>
+          <a:p>
+            <a:pPr lvl="1"/>
+            <a:r>
+              <a:rPr lang="is-IS" dirty="0" smtClean="0"/>
+              <a:t>Can get demo of that for the team </a:t>
+            </a:r>
+          </a:p>
+          <a:p>
+            <a:pPr lvl="1"/>
+            <a:r>
+              <a:rPr lang="is-IS" dirty="0" smtClean="0"/>
+              <a:t>See that and how to incorporate our bot into Posting Plus</a:t>
+            </a:r>
+            <a:endParaRPr lang="en-US" dirty="0" smtClean="0"/>
+          </a:p>
+        </p:txBody>
+      </p:sp>
+      <p:sp>
+        <p:nvSpPr>
+          <p:cNvPr id="6" name="TextBox 5"/>
+          <p:cNvSpPr txBox="1"/>
+          <p:nvPr/>
+        </p:nvSpPr>
+        <p:spPr>
+          <a:xfrm>
+            <a:off x="7772400" y="6043613"/>
+            <a:ext cx="3929063" cy="369332"/>
+          </a:xfrm>
+          <a:prstGeom prst="rect">
+            <a:avLst/>
+          </a:prstGeom>
+          <a:noFill/>
+        </p:spPr>
+        <p:txBody>
+          <a:bodyPr wrap="square" rtlCol="0">
+            <a:spAutoFit/>
+          </a:bodyPr>
+          <a:lstStyle/>
+          <a:p>
+            <a:r>
+              <a:rPr lang="en-US" dirty="0" smtClean="0"/>
+              <a:t>CRM Resource: Joe Manning</a:t>
+            </a:r>
+            <a:endParaRPr lang="en-US" dirty="0"/>
+          </a:p>
+        </p:txBody>
+      </p:sp>
+    </p:spTree>
+    <p:extLst>
+      <p:ext uri="{BB962C8B-B14F-4D97-AF65-F5344CB8AC3E}">
+        <p14:creationId xmlns:p14="http://schemas.microsoft.com/office/powerpoint/2010/main" val="1948959441"/>
       </p:ext>
     </p:extLst>
   </p:cSld>
@@ -5072,6 +5536,368 @@
 </p:sld>
 </file>
 
+<file path=ppt/slides/slide20.xml><?xml version="1.0" encoding="utf-8"?>
+<p:sld xmlns:a="http://schemas.openxmlformats.org/drawingml/2006/main" xmlns:r="http://schemas.openxmlformats.org/officeDocument/2006/relationships" xmlns:p="http://schemas.openxmlformats.org/presentationml/2006/main">
+  <p:cSld>
+    <p:spTree>
+      <p:nvGrpSpPr>
+        <p:cNvPr id="1" name=""/>
+        <p:cNvGrpSpPr/>
+        <p:nvPr/>
+      </p:nvGrpSpPr>
+      <p:grpSpPr>
+        <a:xfrm>
+          <a:off x="0" y="0"/>
+          <a:ext cx="0" cy="0"/>
+          <a:chOff x="0" y="0"/>
+          <a:chExt cx="0" cy="0"/>
+        </a:xfrm>
+      </p:grpSpPr>
+      <p:sp>
+        <p:nvSpPr>
+          <p:cNvPr id="2" name="Title 1"/>
+          <p:cNvSpPr>
+            <a:spLocks noGrp="1"/>
+          </p:cNvSpPr>
+          <p:nvPr>
+            <p:ph type="title"/>
+          </p:nvPr>
+        </p:nvSpPr>
+        <p:spPr/>
+        <p:txBody>
+          <a:bodyPr/>
+          <a:lstStyle/>
+          <a:p>
+            <a:r>
+              <a:rPr lang="en-US" dirty="0" smtClean="0"/>
+              <a:t>Use Case #2 – SRC Status / CRM Opportunity Record </a:t>
+            </a:r>
+            <a:endParaRPr lang="en-US" dirty="0"/>
+          </a:p>
+        </p:txBody>
+      </p:sp>
+      <p:sp>
+        <p:nvSpPr>
+          <p:cNvPr id="3" name="Content Placeholder 2"/>
+          <p:cNvSpPr>
+            <a:spLocks noGrp="1"/>
+          </p:cNvSpPr>
+          <p:nvPr>
+            <p:ph idx="1"/>
+          </p:nvPr>
+        </p:nvSpPr>
+        <p:spPr>
+          <a:xfrm>
+            <a:off x="838200" y="1804993"/>
+            <a:ext cx="10515600" cy="4351338"/>
+          </a:xfrm>
+        </p:spPr>
+        <p:txBody>
+          <a:bodyPr>
+            <a:normAutofit/>
+          </a:bodyPr>
+          <a:lstStyle/>
+          <a:p>
+            <a:r>
+              <a:rPr lang="en-US" dirty="0" smtClean="0"/>
+              <a:t>Status on Service Requests on A+ and A Clients</a:t>
+            </a:r>
+          </a:p>
+          <a:p>
+            <a:pPr lvl="1"/>
+            <a:r>
+              <a:rPr lang="en-US" dirty="0" smtClean="0"/>
+              <a:t>Important enough to be on their daily status briefing</a:t>
+            </a:r>
+          </a:p>
+          <a:p>
+            <a:r>
+              <a:rPr lang="en-US" dirty="0" smtClean="0"/>
+              <a:t>CRM Opportunities Record</a:t>
+            </a:r>
+          </a:p>
+          <a:p>
+            <a:pPr lvl="1"/>
+            <a:r>
+              <a:rPr lang="en-US" dirty="0" smtClean="0"/>
+              <a:t>Tie SRC request to opportunities record</a:t>
+            </a:r>
+          </a:p>
+          <a:p>
+            <a:pPr lvl="1"/>
+            <a:r>
+              <a:rPr lang="en-US" dirty="0" smtClean="0"/>
+              <a:t>Need to research this integration for this</a:t>
+            </a:r>
+          </a:p>
+        </p:txBody>
+      </p:sp>
+      <p:sp>
+        <p:nvSpPr>
+          <p:cNvPr id="4" name="TextBox 3"/>
+          <p:cNvSpPr txBox="1"/>
+          <p:nvPr/>
+        </p:nvSpPr>
+        <p:spPr>
+          <a:xfrm>
+            <a:off x="7643812" y="6043613"/>
+            <a:ext cx="4343401" cy="369332"/>
+          </a:xfrm>
+          <a:prstGeom prst="rect">
+            <a:avLst/>
+          </a:prstGeom>
+          <a:noFill/>
+        </p:spPr>
+        <p:txBody>
+          <a:bodyPr wrap="square" rtlCol="0">
+            <a:spAutoFit/>
+          </a:bodyPr>
+          <a:lstStyle/>
+          <a:p>
+            <a:r>
+              <a:rPr lang="en-US" dirty="0" smtClean="0"/>
+              <a:t>CRM Resource: </a:t>
+            </a:r>
+            <a:r>
+              <a:rPr lang="en-US" dirty="0"/>
+              <a:t>Luke </a:t>
+            </a:r>
+            <a:r>
+              <a:rPr lang="en-US" dirty="0" err="1" smtClean="0"/>
+              <a:t>Kovarik</a:t>
+            </a:r>
+            <a:r>
+              <a:rPr lang="en-US" dirty="0"/>
+              <a:t> </a:t>
+            </a:r>
+            <a:r>
+              <a:rPr lang="en-US" dirty="0" smtClean="0"/>
+              <a:t>/ Joe Manning</a:t>
+            </a:r>
+            <a:endParaRPr lang="en-US" dirty="0"/>
+          </a:p>
+        </p:txBody>
+      </p:sp>
+    </p:spTree>
+    <p:extLst>
+      <p:ext uri="{BB962C8B-B14F-4D97-AF65-F5344CB8AC3E}">
+        <p14:creationId xmlns:p14="http://schemas.microsoft.com/office/powerpoint/2010/main" val="756098562"/>
+      </p:ext>
+    </p:extLst>
+  </p:cSld>
+  <p:clrMapOvr>
+    <a:masterClrMapping/>
+  </p:clrMapOvr>
+  <p:timing>
+    <p:tnLst>
+      <p:par>
+        <p:cTn id="1" dur="indefinite" restart="never" nodeType="tmRoot"/>
+      </p:par>
+    </p:tnLst>
+  </p:timing>
+</p:sld>
+</file>
+
+<file path=ppt/slides/slide21.xml><?xml version="1.0" encoding="utf-8"?>
+<p:sld xmlns:a="http://schemas.openxmlformats.org/drawingml/2006/main" xmlns:r="http://schemas.openxmlformats.org/officeDocument/2006/relationships" xmlns:p="http://schemas.openxmlformats.org/presentationml/2006/main">
+  <p:cSld>
+    <p:spTree>
+      <p:nvGrpSpPr>
+        <p:cNvPr id="1" name=""/>
+        <p:cNvGrpSpPr/>
+        <p:nvPr/>
+      </p:nvGrpSpPr>
+      <p:grpSpPr>
+        <a:xfrm>
+          <a:off x="0" y="0"/>
+          <a:ext cx="0" cy="0"/>
+          <a:chOff x="0" y="0"/>
+          <a:chExt cx="0" cy="0"/>
+        </a:xfrm>
+      </p:grpSpPr>
+      <p:sp>
+        <p:nvSpPr>
+          <p:cNvPr id="2" name="Title 1"/>
+          <p:cNvSpPr>
+            <a:spLocks noGrp="1"/>
+          </p:cNvSpPr>
+          <p:nvPr>
+            <p:ph type="title"/>
+          </p:nvPr>
+        </p:nvSpPr>
+        <p:spPr/>
+        <p:txBody>
+          <a:bodyPr/>
+          <a:lstStyle/>
+          <a:p>
+            <a:r>
+              <a:rPr lang="en-US" dirty="0" smtClean="0"/>
+              <a:t>Use Case #3 – Book of Business - Goals</a:t>
+            </a:r>
+            <a:endParaRPr lang="en-US" dirty="0"/>
+          </a:p>
+        </p:txBody>
+      </p:sp>
+      <p:sp>
+        <p:nvSpPr>
+          <p:cNvPr id="3" name="Content Placeholder 2"/>
+          <p:cNvSpPr>
+            <a:spLocks noGrp="1"/>
+          </p:cNvSpPr>
+          <p:nvPr>
+            <p:ph idx="1"/>
+          </p:nvPr>
+        </p:nvSpPr>
+        <p:spPr>
+          <a:xfrm>
+            <a:off x="838200" y="1790705"/>
+            <a:ext cx="10515600" cy="4351338"/>
+          </a:xfrm>
+        </p:spPr>
+        <p:txBody>
+          <a:bodyPr>
+            <a:normAutofit/>
+          </a:bodyPr>
+          <a:lstStyle/>
+          <a:p>
+            <a:r>
+              <a:rPr lang="en-US" dirty="0" smtClean="0"/>
+              <a:t>Book of Business is</a:t>
+            </a:r>
+            <a:r>
+              <a:rPr lang="is-IS" dirty="0" smtClean="0"/>
+              <a:t>…</a:t>
+            </a:r>
+            <a:endParaRPr lang="en-US" dirty="0" smtClean="0"/>
+          </a:p>
+          <a:p>
+            <a:pPr lvl="1"/>
+            <a:r>
+              <a:rPr lang="en-US" dirty="0" smtClean="0"/>
+              <a:t>Tracks Sales to Sales Goals for FR’s</a:t>
+            </a:r>
+          </a:p>
+          <a:p>
+            <a:r>
+              <a:rPr lang="en-US" dirty="0" smtClean="0"/>
+              <a:t>Goals vs. Actuals</a:t>
+            </a:r>
+          </a:p>
+          <a:p>
+            <a:pPr lvl="1"/>
+            <a:r>
+              <a:rPr lang="en-US" dirty="0" smtClean="0"/>
+              <a:t>Idea: Daily status – “Did you know you two DI sales short of your goal for this month?”</a:t>
+            </a:r>
+          </a:p>
+          <a:p>
+            <a:pPr lvl="1"/>
+            <a:r>
+              <a:rPr lang="en-US" dirty="0"/>
+              <a:t>Idea: Daily status – “Did you </a:t>
+            </a:r>
+            <a:r>
+              <a:rPr lang="en-US" dirty="0" smtClean="0"/>
+              <a:t>know you are in 2</a:t>
+            </a:r>
+            <a:r>
+              <a:rPr lang="en-US" baseline="30000" dirty="0" smtClean="0"/>
+              <a:t>nd</a:t>
+            </a:r>
+            <a:r>
+              <a:rPr lang="en-US" dirty="0" smtClean="0"/>
+              <a:t> place in your region for top LTC sales this quarter?”</a:t>
+            </a:r>
+          </a:p>
+          <a:p>
+            <a:r>
+              <a:rPr lang="en-US" dirty="0" smtClean="0"/>
+              <a:t>Discuss with </a:t>
+            </a:r>
+            <a:r>
+              <a:rPr lang="en-US" dirty="0" err="1" smtClean="0"/>
+              <a:t>BoB</a:t>
+            </a:r>
+            <a:r>
+              <a:rPr lang="en-US" dirty="0" smtClean="0"/>
+              <a:t> what are our actual use cases</a:t>
+            </a:r>
+          </a:p>
+          <a:p>
+            <a:pPr lvl="1"/>
+            <a:r>
+              <a:rPr lang="en-US" dirty="0" smtClean="0"/>
+              <a:t>Discuss how to expose these ‘Alerts’ to the Daily Status Briefing we do </a:t>
+            </a:r>
+          </a:p>
+        </p:txBody>
+      </p:sp>
+      <p:sp>
+        <p:nvSpPr>
+          <p:cNvPr id="4" name="TextBox 3"/>
+          <p:cNvSpPr txBox="1"/>
+          <p:nvPr/>
+        </p:nvSpPr>
+        <p:spPr>
+          <a:xfrm>
+            <a:off x="7772400" y="6043613"/>
+            <a:ext cx="3929063" cy="369332"/>
+          </a:xfrm>
+          <a:prstGeom prst="rect">
+            <a:avLst/>
+          </a:prstGeom>
+          <a:noFill/>
+        </p:spPr>
+        <p:txBody>
+          <a:bodyPr wrap="square" rtlCol="0">
+            <a:spAutoFit/>
+          </a:bodyPr>
+          <a:lstStyle/>
+          <a:p>
+            <a:r>
+              <a:rPr lang="en-US" dirty="0" smtClean="0"/>
+              <a:t>CRM/</a:t>
+            </a:r>
+            <a:r>
+              <a:rPr lang="en-US" dirty="0" err="1" smtClean="0"/>
+              <a:t>BoB</a:t>
+            </a:r>
+            <a:r>
+              <a:rPr lang="en-US" dirty="0" smtClean="0"/>
+              <a:t> Resource: </a:t>
+            </a:r>
+            <a:r>
+              <a:rPr lang="en-US" dirty="0"/>
+              <a:t>Kim </a:t>
+            </a:r>
+            <a:r>
+              <a:rPr lang="en-US" dirty="0" smtClean="0"/>
+              <a:t>Salmons</a:t>
+            </a:r>
+            <a:endParaRPr lang="en-US" dirty="0"/>
+          </a:p>
+        </p:txBody>
+      </p:sp>
+    </p:spTree>
+    <p:extLst>
+      <p:ext uri="{BB962C8B-B14F-4D97-AF65-F5344CB8AC3E}">
+        <p14:creationId xmlns:p14="http://schemas.microsoft.com/office/powerpoint/2010/main" val="392706982"/>
+      </p:ext>
+    </p:extLst>
+  </p:cSld>
+  <p:clrMapOvr>
+    <a:masterClrMapping/>
+  </p:clrMapOvr>
+  <p:timing>
+    <p:tnLst>
+      <p:par>
+        <p:cTn id="1" dur="indefinite" restart="never" nodeType="tmRoot"/>
+      </p:par>
+    </p:tnLst>
+  </p:timing>
+</p:sld>
+</file>
+
 <file path=ppt/slides/slide3.xml><?xml version="1.0" encoding="utf-8"?>
 <p:sld xmlns:a="http://schemas.openxmlformats.org/drawingml/2006/main" xmlns:r="http://schemas.openxmlformats.org/officeDocument/2006/relationships" xmlns:p="http://schemas.openxmlformats.org/presentationml/2006/main">
   <p:cSld>
@@ -5099,14 +5925,31 @@
             <p:ph type="title"/>
           </p:nvPr>
         </p:nvSpPr>
-        <p:spPr/>
+        <p:spPr>
+          <a:xfrm>
+            <a:off x="676839" y="365125"/>
+            <a:ext cx="10515600" cy="1325563"/>
+          </a:xfrm>
+        </p:spPr>
         <p:txBody>
           <a:bodyPr/>
           <a:lstStyle/>
           <a:p>
             <a:r>
               <a:rPr lang="en-US" dirty="0" smtClean="0"/>
-              <a:t>Idea: FR Virtual Assistant</a:t>
+              <a:t>Concept</a:t>
+            </a:r>
+            <a:r>
+              <a:rPr lang="en-US" dirty="0" smtClean="0"/>
+              <a:t>: NFL and the 4</a:t>
+            </a:r>
+            <a:r>
+              <a:rPr lang="en-US" baseline="30000" dirty="0" smtClean="0"/>
+              <a:t>th</a:t>
+            </a:r>
+            <a:r>
+              <a:rPr lang="en-US" dirty="0" smtClean="0"/>
+              <a:t> Down Bot</a:t>
             </a:r>
             <a:endParaRPr lang="en-US" dirty="0"/>
           </a:p>
@@ -5122,72 +5965,163 @@
             <p:ph idx="1"/>
           </p:nvPr>
         </p:nvSpPr>
-        <p:spPr/>
-        <p:txBody>
-          <a:bodyPr/>
-          <a:lstStyle/>
-          <a:p>
-            <a:r>
-              <a:rPr lang="en-US" dirty="0" smtClean="0"/>
-              <a:t>FR’s are very busy people</a:t>
-            </a:r>
-          </a:p>
-          <a:p>
-            <a:r>
-              <a:rPr lang="en-US" dirty="0" smtClean="0"/>
-              <a:t>They are often out of the office</a:t>
-            </a:r>
-          </a:p>
-          <a:p>
-            <a:r>
-              <a:rPr lang="en-US" dirty="0" smtClean="0"/>
-              <a:t>They lack time to spend with their AFR’s (Assistant FR’s) </a:t>
-            </a:r>
-          </a:p>
-          <a:p>
-            <a:r>
-              <a:rPr lang="en-US" dirty="0" smtClean="0"/>
-              <a:t>They have a lot of time where the cannot see and interact with traditional devices such as a computer or mobile device</a:t>
-            </a:r>
-          </a:p>
-          <a:p>
-            <a:r>
-              <a:rPr lang="en-US" dirty="0" smtClean="0"/>
-              <a:t>A voice controlled bot (i.e. Alexa) can act as a AFR and</a:t>
-            </a:r>
-            <a:r>
-              <a:rPr lang="is-IS" dirty="0" smtClean="0"/>
-              <a:t>…</a:t>
-            </a:r>
-          </a:p>
-          <a:p>
-            <a:pPr lvl="1"/>
-            <a:r>
-              <a:rPr lang="is-IS" dirty="0" smtClean="0"/>
-              <a:t>Communicate important information</a:t>
-            </a:r>
-          </a:p>
-          <a:p>
-            <a:pPr lvl="1"/>
-            <a:r>
-              <a:rPr lang="is-IS" dirty="0" smtClean="0"/>
-              <a:t>Take actions on the FR’s or AFR’s behalf</a:t>
-            </a:r>
-          </a:p>
-          <a:p>
-            <a:pPr lvl="1"/>
-            <a:r>
-              <a:rPr lang="is-IS" dirty="0" smtClean="0"/>
-              <a:t>Etc...</a:t>
-            </a:r>
-            <a:endParaRPr lang="en-US" dirty="0"/>
+        <p:spPr>
+          <a:xfrm>
+            <a:off x="467005" y="1630970"/>
+            <a:ext cx="5001466" cy="4895336"/>
+          </a:xfrm>
+        </p:spPr>
+        <p:txBody>
+          <a:bodyPr>
+            <a:normAutofit fontScale="92500" lnSpcReduction="20000"/>
+          </a:bodyPr>
+          <a:lstStyle/>
+          <a:p>
+            <a:r>
+              <a:rPr lang="en-US" dirty="0"/>
+              <a:t>NYT 4th Down Bot</a:t>
+            </a:r>
+            <a:endParaRPr lang="en-US" dirty="0" smtClean="0"/>
+          </a:p>
+          <a:p>
+            <a:r>
+              <a:rPr lang="en-US" dirty="0" smtClean="0"/>
+              <a:t>Created by Brian </a:t>
+            </a:r>
+            <a:r>
+              <a:rPr lang="en-US" dirty="0"/>
+              <a:t>Burke, founder of </a:t>
+            </a:r>
+            <a:r>
+              <a:rPr lang="en-US" dirty="0">
+                <a:hlinkClick r:id="rId2"/>
+              </a:rPr>
+              <a:t>AdvancedNFLStats.com</a:t>
+            </a:r>
+            <a:r>
+              <a:rPr lang="en-US" dirty="0"/>
+              <a:t>. </a:t>
+            </a:r>
+            <a:endParaRPr lang="en-US" dirty="0" smtClean="0"/>
+          </a:p>
+          <a:p>
+            <a:r>
+              <a:rPr lang="en-US" dirty="0" smtClean="0"/>
+              <a:t>Analysis of all games since 2002.</a:t>
+            </a:r>
+          </a:p>
+          <a:p>
+            <a:r>
+              <a:rPr lang="en-US" dirty="0"/>
+              <a:t>A</a:t>
+            </a:r>
+            <a:r>
+              <a:rPr lang="en-US" dirty="0" smtClean="0"/>
+              <a:t> </a:t>
+            </a:r>
+            <a:r>
+              <a:rPr lang="en-US" dirty="0"/>
+              <a:t>coach should be trying to maximize the point spread between his team and his opponent – that is, scoring as many points as possible while suppressing his opponent’s opportunities for points. </a:t>
+            </a:r>
+            <a:endParaRPr lang="en-US" dirty="0" smtClean="0"/>
+          </a:p>
+          <a:p>
+            <a:r>
+              <a:rPr lang="en-US" dirty="0" smtClean="0"/>
+              <a:t>Early </a:t>
+            </a:r>
+            <a:r>
+              <a:rPr lang="en-US" dirty="0"/>
+              <a:t>in the fourth, point maximization is the name of the game.</a:t>
+            </a:r>
+            <a:endParaRPr lang="en-US" dirty="0" smtClean="0"/>
+          </a:p>
+        </p:txBody>
+      </p:sp>
+      <p:pic>
+        <p:nvPicPr>
+          <p:cNvPr id="6" name="Picture 5"/>
+          <p:cNvPicPr>
+            <a:picLocks noChangeAspect="1"/>
+          </p:cNvPicPr>
+          <p:nvPr/>
+        </p:nvPicPr>
+        <p:blipFill>
+          <a:blip r:embed="rId3">
+            <a:extLst>
+              <a:ext uri="{28A0092B-C50C-407E-A947-70E740481C1C}">
+                <a14:useLocalDpi xmlns:a14="http://schemas.microsoft.com/office/drawing/2010/main" val="0"/>
+              </a:ext>
+            </a:extLst>
+          </a:blip>
+          <a:stretch>
+            <a:fillRect/>
+          </a:stretch>
+        </p:blipFill>
+        <p:spPr>
+          <a:xfrm>
+            <a:off x="5861908" y="1416424"/>
+            <a:ext cx="5640588" cy="4491318"/>
+          </a:xfrm>
+          <a:prstGeom prst="rect">
+            <a:avLst/>
+          </a:prstGeom>
+        </p:spPr>
+      </p:pic>
+      <p:sp>
+        <p:nvSpPr>
+          <p:cNvPr id="7" name="TextBox 6"/>
+          <p:cNvSpPr txBox="1"/>
+          <p:nvPr/>
+        </p:nvSpPr>
+        <p:spPr>
+          <a:xfrm>
+            <a:off x="6364941" y="6078071"/>
+            <a:ext cx="5137555" cy="276999"/>
+          </a:xfrm>
+          <a:prstGeom prst="rect">
+            <a:avLst/>
+          </a:prstGeom>
+          <a:noFill/>
+        </p:spPr>
+        <p:txBody>
+          <a:bodyPr wrap="square" rtlCol="0">
+            <a:spAutoFit/>
+          </a:bodyPr>
+          <a:lstStyle/>
+          <a:p>
+            <a:r>
+              <a:rPr lang="en-US" sz="1200" dirty="0"/>
+              <a:t>http://</a:t>
+            </a:r>
+            <a:r>
+              <a:rPr lang="en-US" sz="1200" dirty="0" err="1"/>
+              <a:t>www.nytimes.com</a:t>
+            </a:r>
+            <a:r>
+              <a:rPr lang="en-US" sz="1200" dirty="0"/>
+              <a:t>/</a:t>
+            </a:r>
+            <a:r>
+              <a:rPr lang="en-US" sz="1200" dirty="0" err="1"/>
+              <a:t>newsgraphics</a:t>
+            </a:r>
+            <a:r>
+              <a:rPr lang="en-US" sz="1200" dirty="0"/>
+              <a:t>/2013/11/28/fourth-downs/</a:t>
+            </a:r>
+            <a:r>
+              <a:rPr lang="en-US" sz="1200" dirty="0" err="1"/>
+              <a:t>post.html</a:t>
+            </a:r>
+            <a:endParaRPr lang="en-US" sz="1200" dirty="0"/>
           </a:p>
         </p:txBody>
       </p:sp>
     </p:spTree>
     <p:extLst>
       <p:ext uri="{BB962C8B-B14F-4D97-AF65-F5344CB8AC3E}">
-        <p14:creationId xmlns:p14="http://schemas.microsoft.com/office/powerpoint/2010/main" val="235878291"/>
+        <p14:creationId xmlns:p14="http://schemas.microsoft.com/office/powerpoint/2010/main" val="786175353"/>
       </p:ext>
     </p:extLst>
   </p:cSld>
@@ -5231,14 +6165,35 @@
             <p:ph type="title"/>
           </p:nvPr>
         </p:nvSpPr>
-        <p:spPr/>
+        <p:spPr>
+          <a:xfrm>
+            <a:off x="268942" y="365125"/>
+            <a:ext cx="11661022" cy="1325563"/>
+          </a:xfrm>
+        </p:spPr>
         <p:txBody>
           <a:bodyPr/>
           <a:lstStyle/>
           <a:p>
             <a:r>
-              <a:rPr lang="en-US" dirty="0" smtClean="0"/>
-              <a:t>Interviews with CRM Team (April 2017)</a:t>
+              <a:rPr lang="en-US" dirty="0"/>
+              <a:t>Concept : </a:t>
+            </a:r>
+            <a:r>
+              <a:rPr lang="en-US" dirty="0" smtClean="0"/>
+              <a:t>NFL and the 4</a:t>
+            </a:r>
+            <a:r>
+              <a:rPr lang="en-US" baseline="30000" dirty="0" smtClean="0"/>
+              <a:t>th</a:t>
+            </a:r>
+            <a:r>
+              <a:rPr lang="en-US" dirty="0" smtClean="0"/>
+              <a:t> Down Bot </a:t>
+            </a:r>
+            <a:r>
+              <a:rPr lang="en-US" smtClean="0"/>
+              <a:t>- Comparison</a:t>
             </a:r>
             <a:endParaRPr lang="en-US" dirty="0"/>
           </a:p>
@@ -5254,63 +6209,57 @@
             <p:ph idx="1"/>
           </p:nvPr>
         </p:nvSpPr>
-        <p:spPr/>
+        <p:spPr>
+          <a:xfrm>
+            <a:off x="467005" y="1603474"/>
+            <a:ext cx="3248025" cy="4751596"/>
+          </a:xfrm>
+        </p:spPr>
         <p:txBody>
           <a:bodyPr>
-            <a:normAutofit/>
+            <a:normAutofit fontScale="92500" lnSpcReduction="10000"/>
           </a:bodyPr>
           <a:lstStyle/>
           <a:p>
             <a:r>
-              <a:rPr lang="en-US" sz="3200" dirty="0" smtClean="0"/>
-              <a:t>Discussed our teams Hackathon with CRM Bus Analysts</a:t>
-            </a:r>
-          </a:p>
-          <a:p>
-            <a:r>
-              <a:rPr lang="en-US" sz="3200" dirty="0" smtClean="0"/>
-              <a:t> Ran the initial ideas we have past them</a:t>
-            </a:r>
-          </a:p>
-          <a:p>
-            <a:r>
-              <a:rPr lang="en-US" sz="3200" dirty="0" smtClean="0"/>
-              <a:t>Endorsed those, refined those, </a:t>
-            </a:r>
-            <a:r>
-              <a:rPr lang="en-US" sz="3200" dirty="0" err="1" smtClean="0"/>
-              <a:t>etc</a:t>
-            </a:r>
-            <a:r>
-              <a:rPr lang="is-IS" sz="3200" dirty="0" smtClean="0"/>
-              <a:t>…</a:t>
-            </a:r>
-          </a:p>
-          <a:p>
-            <a:r>
-              <a:rPr lang="en-US" sz="3200" dirty="0" smtClean="0"/>
-              <a:t>Have resources that we can discuss our use cases with further</a:t>
-            </a:r>
-          </a:p>
-          <a:p>
-            <a:r>
-              <a:rPr lang="en-US" sz="3200" dirty="0" smtClean="0"/>
-              <a:t>May discover a few more deals or new ideas when we speak with them further</a:t>
-            </a:r>
-            <a:endParaRPr lang="en-US" sz="3200" dirty="0"/>
-          </a:p>
-        </p:txBody>
-      </p:sp>
-      <p:sp>
-        <p:nvSpPr>
-          <p:cNvPr id="4" name="TextBox 3"/>
+              <a:rPr lang="en-US" dirty="0" smtClean="0"/>
+              <a:t>NFL Coaches need good advice in every game to maximize their chances for success</a:t>
+            </a:r>
+            <a:endParaRPr lang="en-US" dirty="0" smtClean="0"/>
+          </a:p>
+          <a:p>
+            <a:r>
+              <a:rPr lang="en-US" dirty="0" smtClean="0"/>
+              <a:t>Look at the difference</a:t>
+            </a:r>
+          </a:p>
+          <a:p>
+            <a:r>
+              <a:rPr lang="en-US" dirty="0" smtClean="0"/>
+              <a:t>Left hand side – What the bot recommends</a:t>
+            </a:r>
+          </a:p>
+          <a:p>
+            <a:r>
+              <a:rPr lang="en-US" dirty="0" smtClean="0"/>
+              <a:t>Right hand side – What NFL coaches do most often</a:t>
+            </a:r>
+          </a:p>
+          <a:p>
+            <a:endParaRPr lang="en-US" dirty="0" smtClean="0"/>
+          </a:p>
+        </p:txBody>
+      </p:sp>
+      <p:sp>
+        <p:nvSpPr>
+          <p:cNvPr id="7" name="TextBox 6"/>
           <p:cNvSpPr txBox="1"/>
           <p:nvPr/>
         </p:nvSpPr>
         <p:spPr>
           <a:xfrm>
-            <a:off x="7772400" y="6043613"/>
-            <a:ext cx="3929063" cy="646331"/>
+            <a:off x="6364941" y="6078071"/>
+            <a:ext cx="5137555" cy="276999"/>
           </a:xfrm>
           <a:prstGeom prst="rect">
             <a:avLst/>
@@ -5324,21 +6273,61 @@
           <a:lstStyle/>
           <a:p>
             <a:r>
-              <a:rPr lang="en-US" dirty="0" smtClean="0"/>
-              <a:t>Started 4/5 to present and till Hackathon date</a:t>
-            </a:r>
-            <a:r>
-              <a:rPr lang="is-IS" dirty="0" smtClean="0"/>
-              <a:t>….</a:t>
-            </a:r>
-            <a:endParaRPr lang="en-US" dirty="0"/>
-          </a:p>
-        </p:txBody>
-      </p:sp>
+              <a:rPr lang="en-US" sz="1200" dirty="0"/>
+              <a:t>http://</a:t>
+            </a:r>
+            <a:r>
+              <a:rPr lang="en-US" sz="1200" dirty="0" err="1"/>
+              <a:t>www.nytimes.com</a:t>
+            </a:r>
+            <a:r>
+              <a:rPr lang="en-US" sz="1200" dirty="0"/>
+              <a:t>/</a:t>
+            </a:r>
+            <a:r>
+              <a:rPr lang="en-US" sz="1200" dirty="0" err="1"/>
+              <a:t>newsgraphics</a:t>
+            </a:r>
+            <a:r>
+              <a:rPr lang="en-US" sz="1200" dirty="0"/>
+              <a:t>/2013/11/28/fourth-downs/</a:t>
+            </a:r>
+            <a:r>
+              <a:rPr lang="en-US" sz="1200" dirty="0" err="1"/>
+              <a:t>post.html</a:t>
+            </a:r>
+            <a:endParaRPr lang="en-US" sz="1200" dirty="0"/>
+          </a:p>
+        </p:txBody>
+      </p:sp>
+      <p:pic>
+        <p:nvPicPr>
+          <p:cNvPr id="4" name="Picture 3"/>
+          <p:cNvPicPr>
+            <a:picLocks noChangeAspect="1"/>
+          </p:cNvPicPr>
+          <p:nvPr/>
+        </p:nvPicPr>
+        <p:blipFill>
+          <a:blip r:embed="rId2"/>
+          <a:stretch>
+            <a:fillRect/>
+          </a:stretch>
+        </p:blipFill>
+        <p:spPr>
+          <a:xfrm>
+            <a:off x="3715030" y="1747511"/>
+            <a:ext cx="8214934" cy="3918183"/>
+          </a:xfrm>
+          <a:prstGeom prst="rect">
+            <a:avLst/>
+          </a:prstGeom>
+        </p:spPr>
+      </p:pic>
     </p:spTree>
     <p:extLst>
       <p:ext uri="{BB962C8B-B14F-4D97-AF65-F5344CB8AC3E}">
-        <p14:creationId xmlns:p14="http://schemas.microsoft.com/office/powerpoint/2010/main" val="1653514599"/>
+        <p14:creationId xmlns:p14="http://schemas.microsoft.com/office/powerpoint/2010/main" val="968085485"/>
       </p:ext>
     </p:extLst>
   </p:cSld>
@@ -5382,131 +6371,85 @@
             <p:ph type="title"/>
           </p:nvPr>
         </p:nvSpPr>
-        <p:spPr/>
-        <p:txBody>
-          <a:bodyPr/>
-          <a:lstStyle/>
-          <a:p>
-            <a:r>
-              <a:rPr lang="en-US" dirty="0" smtClean="0"/>
-              <a:t>Use </a:t>
-            </a:r>
-            <a:r>
-              <a:rPr lang="en-US" dirty="0" smtClean="0"/>
-              <a:t>Case #1 – Appointment Assistant </a:t>
-            </a:r>
-            <a:endParaRPr lang="en-US" dirty="0"/>
-          </a:p>
-        </p:txBody>
-      </p:sp>
-      <p:sp>
-        <p:nvSpPr>
-          <p:cNvPr id="3" name="Content Placeholder 2"/>
-          <p:cNvSpPr>
-            <a:spLocks noGrp="1"/>
-          </p:cNvSpPr>
-          <p:nvPr>
-            <p:ph idx="1"/>
-          </p:nvPr>
-        </p:nvSpPr>
         <p:spPr>
           <a:xfrm>
-            <a:off x="838200" y="1419225"/>
-            <a:ext cx="10515600" cy="4351338"/>
+            <a:off x="1" y="365125"/>
+            <a:ext cx="11940988" cy="1325563"/>
           </a:xfrm>
         </p:spPr>
         <p:txBody>
+          <a:bodyPr/>
+          <a:lstStyle/>
+          <a:p>
+            <a:r>
+              <a:rPr lang="en-US"/>
+              <a:t>Concept : </a:t>
+            </a:r>
+            <a:r>
+              <a:rPr lang="en-US" dirty="0" smtClean="0"/>
+              <a:t>NFL and the 4</a:t>
+            </a:r>
+            <a:r>
+              <a:rPr lang="en-US" baseline="30000" dirty="0" smtClean="0"/>
+              <a:t>th</a:t>
+            </a:r>
+            <a:r>
+              <a:rPr lang="en-US" dirty="0" smtClean="0"/>
+              <a:t> Down </a:t>
+            </a:r>
+            <a:r>
+              <a:rPr lang="en-US" smtClean="0"/>
+              <a:t>Bot – Sample Game</a:t>
+            </a:r>
+            <a:endParaRPr lang="en-US" dirty="0"/>
+          </a:p>
+        </p:txBody>
+      </p:sp>
+      <p:sp>
+        <p:nvSpPr>
+          <p:cNvPr id="3" name="Content Placeholder 2"/>
+          <p:cNvSpPr>
+            <a:spLocks noGrp="1"/>
+          </p:cNvSpPr>
+          <p:nvPr>
+            <p:ph idx="1"/>
+          </p:nvPr>
+        </p:nvSpPr>
+        <p:spPr>
+          <a:xfrm>
+            <a:off x="467005" y="2015845"/>
+            <a:ext cx="3248025" cy="1646238"/>
+          </a:xfrm>
+        </p:spPr>
+        <p:txBody>
           <a:bodyPr>
-            <a:normAutofit/>
+            <a:noAutofit/>
           </a:bodyPr>
           <a:lstStyle/>
           <a:p>
             <a:r>
               <a:rPr lang="en-US" dirty="0" smtClean="0"/>
-              <a:t>Call Queue</a:t>
-            </a:r>
-            <a:endParaRPr lang="en-US" dirty="0" smtClean="0"/>
-          </a:p>
-          <a:p>
-            <a:pPr lvl="1"/>
-            <a:r>
-              <a:rPr lang="en-US" dirty="0" smtClean="0"/>
-              <a:t>Daily status briefing – Read off call queue for an FR for the day</a:t>
-            </a:r>
-          </a:p>
-          <a:p>
-            <a:pPr lvl="1"/>
-            <a:r>
-              <a:rPr lang="en-US" dirty="0" smtClean="0"/>
-              <a:t>Highlight A and A+ clients on this list</a:t>
-            </a:r>
-          </a:p>
-          <a:p>
-            <a:r>
-              <a:rPr lang="en-US" dirty="0" smtClean="0"/>
-              <a:t>Follow Up Activities </a:t>
-            </a:r>
-            <a:r>
-              <a:rPr lang="en-US" sz="1600" dirty="0" smtClean="0"/>
-              <a:t>(CRM Workflow?)</a:t>
-            </a:r>
-            <a:endParaRPr lang="en-US" dirty="0" smtClean="0"/>
-          </a:p>
-          <a:p>
-            <a:pPr lvl="1"/>
-            <a:r>
-              <a:rPr lang="en-US" dirty="0" smtClean="0"/>
-              <a:t>List of follow up activities and due dates</a:t>
-            </a:r>
-          </a:p>
-          <a:p>
-            <a:pPr lvl="2"/>
-            <a:r>
-              <a:rPr lang="en-US" dirty="0" smtClean="0"/>
-              <a:t>What’s behind, status, </a:t>
-            </a:r>
-            <a:r>
-              <a:rPr lang="en-US" dirty="0" err="1" smtClean="0"/>
-              <a:t>etc</a:t>
-            </a:r>
-            <a:r>
-              <a:rPr lang="is-IS" dirty="0" smtClean="0"/>
-              <a:t>….</a:t>
-            </a:r>
-          </a:p>
-          <a:p>
-            <a:r>
-              <a:rPr lang="is-IS" dirty="0" smtClean="0"/>
-              <a:t>It’s an NM Mobile App already (Posting Plus)</a:t>
-            </a:r>
-          </a:p>
-          <a:p>
-            <a:pPr lvl="1"/>
-            <a:r>
-              <a:rPr lang="is-IS" dirty="0" smtClean="0"/>
-              <a:t>Can get demo of that for the team </a:t>
-            </a:r>
-          </a:p>
-          <a:p>
-            <a:pPr lvl="1"/>
-            <a:r>
-              <a:rPr lang="is-IS" dirty="0" smtClean="0"/>
-              <a:t>See that and how to incorporate our bot into Posting Plus</a:t>
-            </a:r>
-            <a:endParaRPr lang="en-US" dirty="0" smtClean="0"/>
-          </a:p>
-        </p:txBody>
-      </p:sp>
-      <p:sp>
-        <p:nvSpPr>
-          <p:cNvPr id="6" name="TextBox 5"/>
+              <a:t>Example Game – 2013 Season – Week 16 vs. Steelers</a:t>
+            </a:r>
+          </a:p>
+          <a:p>
+            <a:r>
+              <a:rPr lang="en-US" dirty="0" smtClean="0"/>
+              <a:t>Six tries – Two times the coach and bot disagreed on the right call</a:t>
+            </a:r>
+          </a:p>
+        </p:txBody>
+      </p:sp>
+      <p:sp>
+        <p:nvSpPr>
+          <p:cNvPr id="7" name="TextBox 6"/>
           <p:cNvSpPr txBox="1"/>
           <p:nvPr/>
         </p:nvSpPr>
         <p:spPr>
           <a:xfrm>
-            <a:off x="7772400" y="6043613"/>
-            <a:ext cx="3929063" cy="369332"/>
+            <a:off x="5629835" y="6239436"/>
+            <a:ext cx="5137555" cy="276999"/>
           </a:xfrm>
           <a:prstGeom prst="rect">
             <a:avLst/>
@@ -5520,17 +6463,61 @@
           <a:lstStyle/>
           <a:p>
             <a:r>
-              <a:rPr lang="en-US" dirty="0" smtClean="0"/>
-              <a:t>CRM Resource: Joe Manning</a:t>
-            </a:r>
-            <a:endParaRPr lang="en-US" dirty="0"/>
-          </a:p>
-        </p:txBody>
-      </p:sp>
+              <a:rPr lang="en-US" sz="1200" dirty="0"/>
+              <a:t>http://</a:t>
+            </a:r>
+            <a:r>
+              <a:rPr lang="en-US" sz="1200" dirty="0" err="1"/>
+              <a:t>www.nytimes.com</a:t>
+            </a:r>
+            <a:r>
+              <a:rPr lang="en-US" sz="1200" dirty="0"/>
+              <a:t>/</a:t>
+            </a:r>
+            <a:r>
+              <a:rPr lang="en-US" sz="1200" dirty="0" err="1"/>
+              <a:t>newsgraphics</a:t>
+            </a:r>
+            <a:r>
+              <a:rPr lang="en-US" sz="1200" dirty="0"/>
+              <a:t>/2013/11/28/fourth-downs/</a:t>
+            </a:r>
+            <a:r>
+              <a:rPr lang="en-US" sz="1200" dirty="0" err="1"/>
+              <a:t>post.html</a:t>
+            </a:r>
+            <a:endParaRPr lang="en-US" sz="1200" dirty="0"/>
+          </a:p>
+        </p:txBody>
+      </p:sp>
+      <p:pic>
+        <p:nvPicPr>
+          <p:cNvPr id="5" name="Picture 4"/>
+          <p:cNvPicPr>
+            <a:picLocks noChangeAspect="1"/>
+          </p:cNvPicPr>
+          <p:nvPr/>
+        </p:nvPicPr>
+        <p:blipFill>
+          <a:blip r:embed="rId2"/>
+          <a:stretch>
+            <a:fillRect/>
+          </a:stretch>
+        </p:blipFill>
+        <p:spPr>
+          <a:xfrm>
+            <a:off x="4432306" y="1523999"/>
+            <a:ext cx="6921494" cy="4572381"/>
+          </a:xfrm>
+          <a:prstGeom prst="rect">
+            <a:avLst/>
+          </a:prstGeom>
+        </p:spPr>
+      </p:pic>
     </p:spTree>
     <p:extLst>
       <p:ext uri="{BB962C8B-B14F-4D97-AF65-F5344CB8AC3E}">
-        <p14:creationId xmlns:p14="http://schemas.microsoft.com/office/powerpoint/2010/main" val="1948959441"/>
+        <p14:creationId xmlns:p14="http://schemas.microsoft.com/office/powerpoint/2010/main" val="1767633357"/>
       </p:ext>
     </p:extLst>
   </p:cSld>
@@ -5580,12 +6567,20 @@
           <a:lstStyle/>
           <a:p>
             <a:r>
-              <a:rPr lang="en-US" dirty="0" smtClean="0"/>
-              <a:t>Use </a:t>
-            </a:r>
-            <a:r>
-              <a:rPr lang="en-US" dirty="0" smtClean="0"/>
-              <a:t>Case #2 – SRC Status / CRM Opportunity Record </a:t>
+              <a:rPr lang="en-US" dirty="0"/>
+              <a:t>Hackathon Idea : </a:t>
+            </a:r>
+            <a:r>
+              <a:rPr lang="en-US" dirty="0" smtClean="0"/>
+              <a:t>NM </a:t>
+            </a:r>
+            <a:r>
+              <a:rPr lang="en-US" dirty="0" smtClean="0"/>
+              <a:t>Virtual </a:t>
+            </a:r>
+            <a:r>
+              <a:rPr lang="en-US" dirty="0" smtClean="0"/>
+              <a:t>Coach</a:t>
             </a:r>
             <a:endParaRPr lang="en-US" dirty="0"/>
           </a:p>
@@ -5601,103 +6596,117 @@
             <p:ph idx="1"/>
           </p:nvPr>
         </p:nvSpPr>
+        <p:spPr/>
+        <p:txBody>
+          <a:bodyPr>
+            <a:normAutofit lnSpcReduction="10000"/>
+          </a:bodyPr>
+          <a:lstStyle/>
+          <a:p>
+            <a:r>
+              <a:rPr lang="en-US" dirty="0" smtClean="0"/>
+              <a:t>NM needs to retain and develop young talent for our field force</a:t>
+            </a:r>
+          </a:p>
+          <a:p>
+            <a:r>
+              <a:rPr lang="en-US" dirty="0" smtClean="0"/>
+              <a:t>Millennial FR’s need coaching and are open to using new technology such as bots</a:t>
+            </a:r>
+          </a:p>
+          <a:p>
+            <a:r>
+              <a:rPr lang="en-US" dirty="0" smtClean="0"/>
+              <a:t>Al Granum ‘one card’ system is a proven client builder tool but how do we get </a:t>
+            </a:r>
+            <a:r>
+              <a:rPr lang="en-US" dirty="0"/>
+              <a:t>Millennial </a:t>
+            </a:r>
+            <a:r>
+              <a:rPr lang="en-US" dirty="0" smtClean="0"/>
+              <a:t>FR’s to use it? </a:t>
+            </a:r>
+          </a:p>
+          <a:p>
+            <a:r>
+              <a:rPr lang="en-US" dirty="0" smtClean="0"/>
+              <a:t>What if we developed a coach for young FR’s to help them on a daily basis feedback based upon:</a:t>
+            </a:r>
+          </a:p>
+          <a:p>
+            <a:pPr lvl="1"/>
+            <a:r>
+              <a:rPr lang="en-US" dirty="0" smtClean="0"/>
+              <a:t>One Card</a:t>
+            </a:r>
+          </a:p>
+          <a:p>
+            <a:pPr lvl="1"/>
+            <a:r>
+              <a:rPr lang="en-US" dirty="0" smtClean="0"/>
+              <a:t>Personalized feedback</a:t>
+            </a:r>
+          </a:p>
+          <a:p>
+            <a:pPr lvl="1"/>
+            <a:r>
+              <a:rPr lang="en-US" dirty="0" smtClean="0"/>
+              <a:t>Daily, Weekly and Monthly Production Goals</a:t>
+            </a:r>
+          </a:p>
+          <a:p>
+            <a:pPr lvl="1"/>
+            <a:r>
+              <a:rPr lang="en-US" dirty="0" smtClean="0"/>
+              <a:t> Gamify it to keep the </a:t>
+            </a:r>
+            <a:r>
+              <a:rPr lang="en-US" dirty="0"/>
+              <a:t>Millennial </a:t>
+            </a:r>
+            <a:r>
+              <a:rPr lang="en-US" dirty="0" smtClean="0"/>
+              <a:t>FR’s coming back for more!!!</a:t>
+            </a:r>
+            <a:endParaRPr lang="en-US" dirty="0" smtClean="0"/>
+          </a:p>
+        </p:txBody>
+      </p:sp>
+      <p:pic>
+        <p:nvPicPr>
+          <p:cNvPr id="4" name="Picture 3"/>
+          <p:cNvPicPr>
+            <a:picLocks noChangeAspect="1"/>
+          </p:cNvPicPr>
+          <p:nvPr/>
+        </p:nvPicPr>
+        <p:blipFill>
+          <a:blip r:embed="rId2">
+            <a:extLst>
+              <a:ext uri="{28A0092B-C50C-407E-A947-70E740481C1C}">
+                <a14:useLocalDpi xmlns:a14="http://schemas.microsoft.com/office/drawing/2010/main" val="0"/>
+              </a:ext>
+            </a:extLst>
+          </a:blip>
+          <a:stretch>
+            <a:fillRect/>
+          </a:stretch>
+        </p:blipFill>
         <p:spPr>
           <a:xfrm>
-            <a:off x="838200" y="1804993"/>
-            <a:ext cx="10515600" cy="4351338"/>
-          </a:xfrm>
-        </p:spPr>
-        <p:txBody>
-          <a:bodyPr>
-            <a:normAutofit/>
-          </a:bodyPr>
-          <a:lstStyle/>
-          <a:p>
-            <a:r>
-              <a:rPr lang="en-US" dirty="0" smtClean="0"/>
-              <a:t>Status on Service Requests on A+ and A Clients</a:t>
-            </a:r>
-            <a:endParaRPr lang="en-US" dirty="0" smtClean="0"/>
-          </a:p>
-          <a:p>
-            <a:pPr lvl="1"/>
-            <a:r>
-              <a:rPr lang="en-US" dirty="0" smtClean="0"/>
-              <a:t>Important enough to be on their daily status briefing</a:t>
-            </a:r>
-          </a:p>
-          <a:p>
-            <a:r>
-              <a:rPr lang="en-US" dirty="0" smtClean="0"/>
-              <a:t>CRM Opportunities Record</a:t>
-            </a:r>
-          </a:p>
-          <a:p>
-            <a:pPr lvl="1"/>
-            <a:r>
-              <a:rPr lang="en-US" dirty="0" smtClean="0"/>
-              <a:t>Tie SRC request to opportunities record</a:t>
-            </a:r>
-          </a:p>
-          <a:p>
-            <a:pPr lvl="1"/>
-            <a:r>
-              <a:rPr lang="en-US" dirty="0" smtClean="0"/>
-              <a:t>Need to research this integration for this</a:t>
-            </a:r>
-          </a:p>
-        </p:txBody>
-      </p:sp>
-      <p:sp>
-        <p:nvSpPr>
-          <p:cNvPr id="4" name="TextBox 3"/>
-          <p:cNvSpPr txBox="1"/>
-          <p:nvPr/>
-        </p:nvSpPr>
-        <p:spPr>
-          <a:xfrm>
-            <a:off x="7643812" y="6043613"/>
-            <a:ext cx="4343401" cy="369332"/>
+            <a:off x="10416988" y="365125"/>
+            <a:ext cx="1296894" cy="1296894"/>
           </a:xfrm>
           <a:prstGeom prst="rect">
             <a:avLst/>
           </a:prstGeom>
-          <a:noFill/>
         </p:spPr>
-        <p:txBody>
-          <a:bodyPr wrap="square" rtlCol="0">
-            <a:spAutoFit/>
-          </a:bodyPr>
-          <a:lstStyle/>
-          <a:p>
-            <a:r>
-              <a:rPr lang="en-US" dirty="0" smtClean="0"/>
-              <a:t>CRM Resource: </a:t>
-            </a:r>
-            <a:r>
-              <a:rPr lang="en-US" dirty="0"/>
-              <a:t>Luke </a:t>
-            </a:r>
-            <a:r>
-              <a:rPr lang="en-US" dirty="0" err="1" smtClean="0"/>
-              <a:t>Kovarik</a:t>
-            </a:r>
-            <a:r>
-              <a:rPr lang="en-US" dirty="0"/>
-              <a:t> </a:t>
-            </a:r>
-            <a:r>
-              <a:rPr lang="en-US" dirty="0" smtClean="0"/>
-              <a:t>/ Joe Manning</a:t>
-            </a:r>
-            <a:endParaRPr lang="en-US" dirty="0"/>
-          </a:p>
-        </p:txBody>
-      </p:sp>
+      </p:pic>
     </p:spTree>
     <p:extLst>
       <p:ext uri="{BB962C8B-B14F-4D97-AF65-F5344CB8AC3E}">
-        <p14:creationId xmlns:p14="http://schemas.microsoft.com/office/powerpoint/2010/main" val="756098562"/>
+        <p14:creationId xmlns:p14="http://schemas.microsoft.com/office/powerpoint/2010/main" val="1480122546"/>
       </p:ext>
     </p:extLst>
   </p:cSld>
@@ -5741,167 +6750,135 @@
             <p:ph type="title"/>
           </p:nvPr>
         </p:nvSpPr>
-        <p:spPr/>
-        <p:txBody>
-          <a:bodyPr/>
-          <a:lstStyle/>
-          <a:p>
-            <a:r>
-              <a:rPr lang="en-US" dirty="0" smtClean="0"/>
-              <a:t>Use </a:t>
-            </a:r>
-            <a:r>
-              <a:rPr lang="en-US" dirty="0" smtClean="0"/>
-              <a:t>Case #3 – Book of Business - Goals</a:t>
-            </a:r>
-            <a:endParaRPr lang="en-US" dirty="0"/>
-          </a:p>
-        </p:txBody>
-      </p:sp>
-      <p:sp>
-        <p:nvSpPr>
-          <p:cNvPr id="3" name="Content Placeholder 2"/>
-          <p:cNvSpPr>
-            <a:spLocks noGrp="1"/>
-          </p:cNvSpPr>
-          <p:nvPr>
-            <p:ph idx="1"/>
-          </p:nvPr>
-        </p:nvSpPr>
         <p:spPr>
           <a:xfrm>
-            <a:off x="838200" y="1790705"/>
-            <a:ext cx="10515600" cy="4351338"/>
+            <a:off x="838200" y="365125"/>
+            <a:ext cx="10515600" cy="954673"/>
           </a:xfrm>
         </p:spPr>
         <p:txBody>
-          <a:bodyPr>
-            <a:normAutofit/>
-          </a:bodyPr>
-          <a:lstStyle/>
-          <a:p>
-            <a:r>
-              <a:rPr lang="en-US" dirty="0" smtClean="0"/>
-              <a:t>Book of Business is</a:t>
-            </a:r>
-            <a:r>
-              <a:rPr lang="is-IS" dirty="0" smtClean="0"/>
-              <a:t>…</a:t>
-            </a:r>
-            <a:endParaRPr lang="en-US" dirty="0" smtClean="0"/>
-          </a:p>
-          <a:p>
-            <a:pPr lvl="1"/>
-            <a:r>
-              <a:rPr lang="en-US" dirty="0" smtClean="0"/>
-              <a:t>Tracks Sales to Sales Goals for FR’s</a:t>
-            </a:r>
-          </a:p>
-          <a:p>
-            <a:r>
-              <a:rPr lang="en-US" dirty="0" smtClean="0"/>
-              <a:t>Goals vs. Actuals</a:t>
-            </a:r>
-          </a:p>
-          <a:p>
-            <a:pPr lvl="1"/>
-            <a:r>
-              <a:rPr lang="en-US" dirty="0" smtClean="0"/>
-              <a:t>Idea: Daily status – “Did you know you two DI sales short of your goal for this month?”</a:t>
-            </a:r>
-          </a:p>
-          <a:p>
-            <a:pPr lvl="1"/>
-            <a:r>
-              <a:rPr lang="en-US" dirty="0"/>
-              <a:t>Idea: Daily status – “Did you </a:t>
-            </a:r>
-            <a:r>
-              <a:rPr lang="en-US" dirty="0" smtClean="0"/>
-              <a:t>know you are in 2</a:t>
-            </a:r>
-            <a:r>
-              <a:rPr lang="en-US" baseline="30000" dirty="0" smtClean="0"/>
-              <a:t>nd</a:t>
-            </a:r>
-            <a:r>
-              <a:rPr lang="en-US" dirty="0" smtClean="0"/>
-              <a:t> place in your region for top LTC sales this quarter?”</a:t>
-            </a:r>
-          </a:p>
-          <a:p>
-            <a:r>
-              <a:rPr lang="en-US" dirty="0" smtClean="0"/>
-              <a:t>Discuss with </a:t>
-            </a:r>
-            <a:r>
-              <a:rPr lang="en-US" dirty="0" err="1" smtClean="0"/>
-              <a:t>BoB</a:t>
-            </a:r>
-            <a:r>
-              <a:rPr lang="en-US" dirty="0" smtClean="0"/>
-              <a:t> what are our actual use cases</a:t>
-            </a:r>
-          </a:p>
-          <a:p>
-            <a:pPr lvl="1"/>
-            <a:r>
-              <a:rPr lang="en-US" dirty="0" smtClean="0"/>
-              <a:t>Discuss how to expose these ‘Alerts’ to the Daily Status Briefing we do </a:t>
-            </a:r>
-          </a:p>
-        </p:txBody>
-      </p:sp>
-      <p:sp>
-        <p:nvSpPr>
-          <p:cNvPr id="4" name="TextBox 3"/>
-          <p:cNvSpPr txBox="1"/>
-          <p:nvPr/>
+          <a:bodyPr/>
+          <a:lstStyle/>
+          <a:p>
+            <a:r>
+              <a:rPr lang="en-US" dirty="0" smtClean="0"/>
+              <a:t>Hackathon Idea</a:t>
+            </a:r>
+            <a:r>
+              <a:rPr lang="en-US" dirty="0" smtClean="0"/>
+              <a:t>: </a:t>
+            </a:r>
+            <a:r>
+              <a:rPr lang="en-US" dirty="0" smtClean="0"/>
+              <a:t>One Card Background</a:t>
+            </a:r>
+            <a:endParaRPr lang="en-US" dirty="0"/>
+          </a:p>
+        </p:txBody>
+      </p:sp>
+      <p:sp>
+        <p:nvSpPr>
+          <p:cNvPr id="3" name="Content Placeholder 2"/>
+          <p:cNvSpPr>
+            <a:spLocks noGrp="1"/>
+          </p:cNvSpPr>
+          <p:nvPr>
+            <p:ph idx="1"/>
+          </p:nvPr>
         </p:nvSpPr>
         <p:spPr>
           <a:xfrm>
-            <a:off x="7772400" y="6043613"/>
-            <a:ext cx="3929063" cy="369332"/>
+            <a:off x="395287" y="1562099"/>
+            <a:ext cx="4320148" cy="1646238"/>
+          </a:xfrm>
+        </p:spPr>
+        <p:txBody>
+          <a:bodyPr>
+            <a:normAutofit lnSpcReduction="10000"/>
+          </a:bodyPr>
+          <a:lstStyle/>
+          <a:p>
+            <a:r>
+              <a:rPr lang="en-US" dirty="0" smtClean="0"/>
+              <a:t>Al Granum – NM Rep and creator of the One Card System</a:t>
+            </a:r>
+          </a:p>
+          <a:p>
+            <a:r>
+              <a:rPr lang="en-US" dirty="0" smtClean="0"/>
+              <a:t>Coach FR’s Pipeline</a:t>
+            </a:r>
+          </a:p>
+          <a:p>
+            <a:endParaRPr lang="en-US" dirty="0" smtClean="0"/>
+          </a:p>
+          <a:p>
+            <a:endParaRPr lang="en-US" dirty="0" smtClean="0"/>
+          </a:p>
+        </p:txBody>
+      </p:sp>
+      <p:pic>
+        <p:nvPicPr>
+          <p:cNvPr id="4" name="Picture 3"/>
+          <p:cNvPicPr>
+            <a:picLocks noChangeAspect="1"/>
+          </p:cNvPicPr>
+          <p:nvPr/>
+        </p:nvPicPr>
+        <p:blipFill>
+          <a:blip r:embed="rId2"/>
+          <a:stretch>
+            <a:fillRect/>
+          </a:stretch>
+        </p:blipFill>
+        <p:spPr>
+          <a:xfrm>
+            <a:off x="5121278" y="1443037"/>
+            <a:ext cx="6565795" cy="4929188"/>
           </a:xfrm>
           <a:prstGeom prst="rect">
             <a:avLst/>
           </a:prstGeom>
-          <a:noFill/>
+          <a:ln>
+            <a:solidFill>
+              <a:schemeClr val="accent1"/>
+            </a:solidFill>
+          </a:ln>
         </p:spPr>
-        <p:txBody>
-          <a:bodyPr wrap="square" rtlCol="0">
-            <a:spAutoFit/>
-          </a:bodyPr>
-          <a:lstStyle/>
-          <a:p>
-            <a:r>
-              <a:rPr lang="en-US" dirty="0" smtClean="0"/>
-              <a:t>CRM/</a:t>
-            </a:r>
-            <a:r>
-              <a:rPr lang="en-US" dirty="0" err="1" smtClean="0"/>
-              <a:t>BoB</a:t>
-            </a:r>
-            <a:r>
-              <a:rPr lang="en-US" dirty="0" smtClean="0"/>
-              <a:t> Resource: </a:t>
-            </a:r>
-            <a:r>
-              <a:rPr lang="en-US" dirty="0"/>
-              <a:t>Kim </a:t>
-            </a:r>
-            <a:r>
-              <a:rPr lang="en-US" dirty="0" smtClean="0"/>
-              <a:t>Salmons</a:t>
-            </a:r>
-            <a:endParaRPr lang="en-US" dirty="0"/>
-          </a:p>
-        </p:txBody>
-      </p:sp>
+      </p:pic>
+      <p:pic>
+        <p:nvPicPr>
+          <p:cNvPr id="5" name="Picture 4"/>
+          <p:cNvPicPr>
+            <a:picLocks noChangeAspect="1"/>
+          </p:cNvPicPr>
+          <p:nvPr/>
+        </p:nvPicPr>
+        <p:blipFill>
+          <a:blip r:embed="rId3"/>
+          <a:stretch>
+            <a:fillRect/>
+          </a:stretch>
+        </p:blipFill>
+        <p:spPr>
+          <a:xfrm>
+            <a:off x="1514474" y="3331576"/>
+            <a:ext cx="3052763" cy="3040649"/>
+          </a:xfrm>
+          <a:prstGeom prst="rect">
+            <a:avLst/>
+          </a:prstGeom>
+          <a:ln>
+            <a:solidFill>
+              <a:schemeClr val="accent1"/>
+            </a:solidFill>
+          </a:ln>
+        </p:spPr>
+      </p:pic>
     </p:spTree>
     <p:extLst>
       <p:ext uri="{BB962C8B-B14F-4D97-AF65-F5344CB8AC3E}">
-        <p14:creationId xmlns:p14="http://schemas.microsoft.com/office/powerpoint/2010/main" val="392706982"/>
+        <p14:creationId xmlns:p14="http://schemas.microsoft.com/office/powerpoint/2010/main" val="1377938267"/>
       </p:ext>
     </p:extLst>
   </p:cSld>
